--- a/doc/Diagrams.pptx
+++ b/doc/Diagrams.pptx
@@ -5,11 +5,12 @@
     <p:sldMasterId id="2147483648" r:id="rId1"/>
   </p:sldMasterIdLst>
   <p:notesMasterIdLst>
-    <p:notesMasterId r:id="rId4"/>
+    <p:notesMasterId r:id="rId5"/>
   </p:notesMasterIdLst>
   <p:sldIdLst>
     <p:sldId id="256" r:id="rId2"/>
     <p:sldId id="257" r:id="rId3"/>
+    <p:sldId id="258" r:id="rId4"/>
   </p:sldIdLst>
   <p:sldSz cx="9144000" cy="6858000" type="screen4x3"/>
   <p:notesSz cx="6858000" cy="9144000"/>
@@ -193,7 +194,7 @@
           <a:p>
             <a:fld id="{F5CC4B3F-88C1-4FFA-B1B6-F41C21DC6924}" type="datetimeFigureOut">
               <a:rPr lang="en-US" smtClean="0"/>
-              <a:t>9/4/2016</a:t>
+              <a:t>9/12/2016</a:t>
             </a:fld>
             <a:endParaRPr lang="en-US"/>
           </a:p>
@@ -726,7 +727,7 @@
           <a:p>
             <a:fld id="{78C97017-6FC3-485B-9764-EAC9E56C1D49}" type="datetimeFigureOut">
               <a:rPr lang="en-US" smtClean="0"/>
-              <a:t>9/4/2016</a:t>
+              <a:t>9/12/2016</a:t>
             </a:fld>
             <a:endParaRPr lang="en-US"/>
           </a:p>
@@ -896,7 +897,7 @@
           <a:p>
             <a:fld id="{78C97017-6FC3-485B-9764-EAC9E56C1D49}" type="datetimeFigureOut">
               <a:rPr lang="en-US" smtClean="0"/>
-              <a:t>9/4/2016</a:t>
+              <a:t>9/12/2016</a:t>
             </a:fld>
             <a:endParaRPr lang="en-US"/>
           </a:p>
@@ -1076,7 +1077,7 @@
           <a:p>
             <a:fld id="{78C97017-6FC3-485B-9764-EAC9E56C1D49}" type="datetimeFigureOut">
               <a:rPr lang="en-US" smtClean="0"/>
-              <a:t>9/4/2016</a:t>
+              <a:t>9/12/2016</a:t>
             </a:fld>
             <a:endParaRPr lang="en-US"/>
           </a:p>
@@ -1246,7 +1247,7 @@
           <a:p>
             <a:fld id="{78C97017-6FC3-485B-9764-EAC9E56C1D49}" type="datetimeFigureOut">
               <a:rPr lang="en-US" smtClean="0"/>
-              <a:t>9/4/2016</a:t>
+              <a:t>9/12/2016</a:t>
             </a:fld>
             <a:endParaRPr lang="en-US"/>
           </a:p>
@@ -1492,7 +1493,7 @@
           <a:p>
             <a:fld id="{78C97017-6FC3-485B-9764-EAC9E56C1D49}" type="datetimeFigureOut">
               <a:rPr lang="en-US" smtClean="0"/>
-              <a:t>9/4/2016</a:t>
+              <a:t>9/12/2016</a:t>
             </a:fld>
             <a:endParaRPr lang="en-US"/>
           </a:p>
@@ -1780,7 +1781,7 @@
           <a:p>
             <a:fld id="{78C97017-6FC3-485B-9764-EAC9E56C1D49}" type="datetimeFigureOut">
               <a:rPr lang="en-US" smtClean="0"/>
-              <a:t>9/4/2016</a:t>
+              <a:t>9/12/2016</a:t>
             </a:fld>
             <a:endParaRPr lang="en-US"/>
           </a:p>
@@ -2202,7 +2203,7 @@
           <a:p>
             <a:fld id="{78C97017-6FC3-485B-9764-EAC9E56C1D49}" type="datetimeFigureOut">
               <a:rPr lang="en-US" smtClean="0"/>
-              <a:t>9/4/2016</a:t>
+              <a:t>9/12/2016</a:t>
             </a:fld>
             <a:endParaRPr lang="en-US"/>
           </a:p>
@@ -2320,7 +2321,7 @@
           <a:p>
             <a:fld id="{78C97017-6FC3-485B-9764-EAC9E56C1D49}" type="datetimeFigureOut">
               <a:rPr lang="en-US" smtClean="0"/>
-              <a:t>9/4/2016</a:t>
+              <a:t>9/12/2016</a:t>
             </a:fld>
             <a:endParaRPr lang="en-US"/>
           </a:p>
@@ -2415,7 +2416,7 @@
           <a:p>
             <a:fld id="{78C97017-6FC3-485B-9764-EAC9E56C1D49}" type="datetimeFigureOut">
               <a:rPr lang="en-US" smtClean="0"/>
-              <a:t>9/4/2016</a:t>
+              <a:t>9/12/2016</a:t>
             </a:fld>
             <a:endParaRPr lang="en-US"/>
           </a:p>
@@ -2692,7 +2693,7 @@
           <a:p>
             <a:fld id="{78C97017-6FC3-485B-9764-EAC9E56C1D49}" type="datetimeFigureOut">
               <a:rPr lang="en-US" smtClean="0"/>
-              <a:t>9/4/2016</a:t>
+              <a:t>9/12/2016</a:t>
             </a:fld>
             <a:endParaRPr lang="en-US"/>
           </a:p>
@@ -2945,7 +2946,7 @@
           <a:p>
             <a:fld id="{78C97017-6FC3-485B-9764-EAC9E56C1D49}" type="datetimeFigureOut">
               <a:rPr lang="en-US" smtClean="0"/>
-              <a:t>9/4/2016</a:t>
+              <a:t>9/12/2016</a:t>
             </a:fld>
             <a:endParaRPr lang="en-US"/>
           </a:p>
@@ -3158,7 +3159,7 @@
           <a:p>
             <a:fld id="{78C97017-6FC3-485B-9764-EAC9E56C1D49}" type="datetimeFigureOut">
               <a:rPr lang="en-US" smtClean="0"/>
-              <a:t>9/4/2016</a:t>
+              <a:t>9/12/2016</a:t>
             </a:fld>
             <a:endParaRPr lang="en-US"/>
           </a:p>
@@ -3809,6 +3810,7 @@
               <a:srgbClr val="0070C0"/>
             </a:solidFill>
           </a:ln>
+          <a:effectLst/>
         </p:spPr>
         <p:style>
           <a:lnRef idx="1">
@@ -6014,6 +6016,7 @@
               <a:srgbClr val="00B050"/>
             </a:solidFill>
           </a:ln>
+          <a:effectLst/>
         </p:spPr>
         <p:style>
           <a:lnRef idx="1">
@@ -6889,6 +6892,943 @@
     <p:extLst>
       <p:ext uri="{BB962C8B-B14F-4D97-AF65-F5344CB8AC3E}">
         <p14:creationId xmlns:p14="http://schemas.microsoft.com/office/powerpoint/2010/main" val="3376861716"/>
+      </p:ext>
+    </p:extLst>
+  </p:cSld>
+  <p:clrMapOvr>
+    <a:masterClrMapping/>
+  </p:clrMapOvr>
+</p:sld>
+</file>
+
+<file path=ppt/slides/slide3.xml><?xml version="1.0" encoding="utf-8"?>
+<p:sld xmlns:a="http://schemas.openxmlformats.org/drawingml/2006/main" xmlns:r="http://schemas.openxmlformats.org/officeDocument/2006/relationships" xmlns:p="http://schemas.openxmlformats.org/presentationml/2006/main">
+  <p:cSld>
+    <p:spTree>
+      <p:nvGrpSpPr>
+        <p:cNvPr id="1" name=""/>
+        <p:cNvGrpSpPr/>
+        <p:nvPr/>
+      </p:nvGrpSpPr>
+      <p:grpSpPr>
+        <a:xfrm>
+          <a:off x="0" y="0"/>
+          <a:ext cx="0" cy="0"/>
+          <a:chOff x="0" y="0"/>
+          <a:chExt cx="0" cy="0"/>
+        </a:xfrm>
+      </p:grpSpPr>
+      <p:sp>
+        <p:nvSpPr>
+          <p:cNvPr id="2" name="Rectangle 22"/>
+          <p:cNvSpPr/>
+          <p:nvPr/>
+        </p:nvSpPr>
+        <p:spPr>
+          <a:xfrm>
+            <a:off x="2410207" y="4460471"/>
+            <a:ext cx="790193" cy="346760"/>
+          </a:xfrm>
+          <a:prstGeom prst="rect">
+            <a:avLst/>
+          </a:prstGeom>
+          <a:solidFill>
+            <a:srgbClr val="00B050"/>
+          </a:solidFill>
+          <a:ln w="19050">
+            <a:solidFill>
+              <a:srgbClr val="00B050"/>
+            </a:solidFill>
+          </a:ln>
+          <a:effectLst/>
+        </p:spPr>
+        <p:style>
+          <a:lnRef idx="1">
+            <a:schemeClr val="accent2"/>
+          </a:lnRef>
+          <a:fillRef idx="2">
+            <a:schemeClr val="accent2"/>
+          </a:fillRef>
+          <a:effectRef idx="1">
+            <a:schemeClr val="accent2"/>
+          </a:effectRef>
+          <a:fontRef idx="minor">
+            <a:schemeClr val="dk1"/>
+          </a:fontRef>
+        </p:style>
+        <p:txBody>
+          <a:bodyPr rtlCol="0" anchor="ctr"/>
+          <a:lstStyle/>
+          <a:p>
+            <a:pPr algn="ctr"/>
+            <a:r>
+              <a:rPr lang="en-US" sz="1050" dirty="0" err="1">
+                <a:solidFill>
+                  <a:schemeClr val="bg1"/>
+                </a:solidFill>
+              </a:rPr>
+              <a:t>StorageFile</a:t>
+            </a:r>
+            <a:endParaRPr lang="en-SG" sz="1050" dirty="0">
+              <a:solidFill>
+                <a:schemeClr val="bg1"/>
+              </a:solidFill>
+            </a:endParaRPr>
+          </a:p>
+        </p:txBody>
+      </p:sp>
+      <p:cxnSp>
+        <p:nvCxnSpPr>
+          <p:cNvPr id="3" name="Elbow Connector 40"/>
+          <p:cNvCxnSpPr>
+            <a:stCxn id="4" idx="2"/>
+            <a:endCxn id="2" idx="0"/>
+          </p:cNvCxnSpPr>
+          <p:nvPr/>
+        </p:nvCxnSpPr>
+        <p:spPr>
+          <a:xfrm rot="5400000">
+            <a:off x="2646817" y="4301983"/>
+            <a:ext cx="316975" cy="12700"/>
+          </a:xfrm>
+          <a:prstGeom prst="bentConnector3">
+            <a:avLst>
+              <a:gd name="adj1" fmla="val 50000"/>
+            </a:avLst>
+          </a:prstGeom>
+          <a:ln w="19050">
+            <a:solidFill>
+              <a:srgbClr val="0070C0"/>
+            </a:solidFill>
+            <a:headEnd type="none" w="med" len="med"/>
+            <a:tailEnd type="arrow" w="med" len="med"/>
+          </a:ln>
+          <a:effectLst/>
+        </p:spPr>
+        <p:style>
+          <a:lnRef idx="1">
+            <a:schemeClr val="accent2"/>
+          </a:lnRef>
+          <a:fillRef idx="2">
+            <a:schemeClr val="accent2"/>
+          </a:fillRef>
+          <a:effectRef idx="1">
+            <a:schemeClr val="accent2"/>
+          </a:effectRef>
+          <a:fontRef idx="minor">
+            <a:schemeClr val="dk1"/>
+          </a:fontRef>
+        </p:style>
+      </p:cxnSp>
+      <p:sp>
+        <p:nvSpPr>
+          <p:cNvPr id="4" name="Rectangle 65"/>
+          <p:cNvSpPr/>
+          <p:nvPr/>
+        </p:nvSpPr>
+        <p:spPr>
+          <a:xfrm>
+            <a:off x="2410208" y="3700884"/>
+            <a:ext cx="790192" cy="442612"/>
+          </a:xfrm>
+          <a:prstGeom prst="rect">
+            <a:avLst/>
+          </a:prstGeom>
+          <a:solidFill>
+            <a:srgbClr val="0070C0"/>
+          </a:solidFill>
+          <a:ln w="19050">
+            <a:solidFill>
+              <a:srgbClr val="0070C0"/>
+            </a:solidFill>
+          </a:ln>
+          <a:effectLst/>
+        </p:spPr>
+        <p:style>
+          <a:lnRef idx="1">
+            <a:schemeClr val="accent2"/>
+          </a:lnRef>
+          <a:fillRef idx="2">
+            <a:schemeClr val="accent2"/>
+          </a:fillRef>
+          <a:effectRef idx="1">
+            <a:schemeClr val="accent2"/>
+          </a:effectRef>
+          <a:fontRef idx="minor">
+            <a:schemeClr val="dk1"/>
+          </a:fontRef>
+        </p:style>
+        <p:txBody>
+          <a:bodyPr rtlCol="0" anchor="ctr"/>
+          <a:lstStyle/>
+          <a:p>
+            <a:pPr algn="ctr"/>
+            <a:r>
+              <a:rPr lang="en-US" sz="1050" dirty="0">
+                <a:solidFill>
+                  <a:schemeClr val="bg1"/>
+                </a:solidFill>
+              </a:rPr>
+              <a:t>Logic</a:t>
+            </a:r>
+            <a:endParaRPr lang="en-SG" sz="1050" dirty="0">
+              <a:solidFill>
+                <a:schemeClr val="bg1"/>
+              </a:solidFill>
+            </a:endParaRPr>
+          </a:p>
+        </p:txBody>
+      </p:sp>
+      <p:sp>
+        <p:nvSpPr>
+          <p:cNvPr id="5" name="Rectangle 65"/>
+          <p:cNvSpPr/>
+          <p:nvPr/>
+        </p:nvSpPr>
+        <p:spPr>
+          <a:xfrm>
+            <a:off x="914400" y="3707233"/>
+            <a:ext cx="790192" cy="442612"/>
+          </a:xfrm>
+          <a:prstGeom prst="rect">
+            <a:avLst/>
+          </a:prstGeom>
+          <a:ln/>
+        </p:spPr>
+        <p:style>
+          <a:lnRef idx="2">
+            <a:schemeClr val="accent1"/>
+          </a:lnRef>
+          <a:fillRef idx="1">
+            <a:schemeClr val="lt1"/>
+          </a:fillRef>
+          <a:effectRef idx="0">
+            <a:schemeClr val="accent1"/>
+          </a:effectRef>
+          <a:fontRef idx="minor">
+            <a:schemeClr val="dk1"/>
+          </a:fontRef>
+        </p:style>
+        <p:txBody>
+          <a:bodyPr rtlCol="0" anchor="ctr"/>
+          <a:lstStyle/>
+          <a:p>
+            <a:pPr algn="ctr"/>
+            <a:r>
+              <a:rPr lang="en-US" sz="1050" dirty="0" err="1" smtClean="0">
+                <a:solidFill>
+                  <a:srgbClr val="0070C0"/>
+                </a:solidFill>
+              </a:rPr>
+              <a:t>LogicTest</a:t>
+            </a:r>
+            <a:endParaRPr lang="en-SG" sz="1050" dirty="0">
+              <a:solidFill>
+                <a:srgbClr val="0070C0"/>
+              </a:solidFill>
+            </a:endParaRPr>
+          </a:p>
+        </p:txBody>
+      </p:sp>
+      <p:cxnSp>
+        <p:nvCxnSpPr>
+          <p:cNvPr id="6" name="Elbow Connector 40"/>
+          <p:cNvCxnSpPr>
+            <a:stCxn id="5" idx="3"/>
+            <a:endCxn id="4" idx="1"/>
+          </p:cNvCxnSpPr>
+          <p:nvPr/>
+        </p:nvCxnSpPr>
+        <p:spPr>
+          <a:xfrm flipV="1">
+            <a:off x="1704592" y="3922190"/>
+            <a:ext cx="705616" cy="6349"/>
+          </a:xfrm>
+          <a:prstGeom prst="bentConnector3">
+            <a:avLst>
+              <a:gd name="adj1" fmla="val 50000"/>
+            </a:avLst>
+          </a:prstGeom>
+          <a:ln w="19050">
+            <a:solidFill>
+              <a:srgbClr val="0070C0"/>
+            </a:solidFill>
+            <a:prstDash val="dash"/>
+            <a:headEnd type="none" w="med" len="med"/>
+            <a:tailEnd type="arrow" w="med" len="med"/>
+          </a:ln>
+          <a:effectLst/>
+        </p:spPr>
+        <p:style>
+          <a:lnRef idx="1">
+            <a:schemeClr val="accent2"/>
+          </a:lnRef>
+          <a:fillRef idx="2">
+            <a:schemeClr val="accent2"/>
+          </a:fillRef>
+          <a:effectRef idx="1">
+            <a:schemeClr val="accent2"/>
+          </a:effectRef>
+          <a:fontRef idx="minor">
+            <a:schemeClr val="dk1"/>
+          </a:fontRef>
+        </p:style>
+      </p:cxnSp>
+      <p:cxnSp>
+        <p:nvCxnSpPr>
+          <p:cNvPr id="9" name="Elbow Connector 40"/>
+          <p:cNvCxnSpPr>
+            <a:stCxn id="5" idx="2"/>
+            <a:endCxn id="2" idx="1"/>
+          </p:cNvCxnSpPr>
+          <p:nvPr/>
+        </p:nvCxnSpPr>
+        <p:spPr>
+          <a:xfrm rot="16200000" flipH="1">
+            <a:off x="1617848" y="3841492"/>
+            <a:ext cx="484006" cy="1100711"/>
+          </a:xfrm>
+          <a:prstGeom prst="bentConnector2">
+            <a:avLst/>
+          </a:prstGeom>
+          <a:ln w="19050">
+            <a:solidFill>
+              <a:srgbClr val="0070C0"/>
+            </a:solidFill>
+            <a:prstDash val="dash"/>
+            <a:headEnd type="none" w="med" len="med"/>
+            <a:tailEnd type="arrow" w="med" len="med"/>
+          </a:ln>
+          <a:effectLst/>
+        </p:spPr>
+        <p:style>
+          <a:lnRef idx="1">
+            <a:schemeClr val="accent2"/>
+          </a:lnRef>
+          <a:fillRef idx="2">
+            <a:schemeClr val="accent2"/>
+          </a:fillRef>
+          <a:effectRef idx="1">
+            <a:schemeClr val="accent2"/>
+          </a:effectRef>
+          <a:fontRef idx="minor">
+            <a:schemeClr val="dk1"/>
+          </a:fontRef>
+        </p:style>
+      </p:cxnSp>
+      <p:sp>
+        <p:nvSpPr>
+          <p:cNvPr id="12" name="Rectangle 22"/>
+          <p:cNvSpPr/>
+          <p:nvPr/>
+        </p:nvSpPr>
+        <p:spPr>
+          <a:xfrm>
+            <a:off x="5830791" y="4439195"/>
+            <a:ext cx="790193" cy="346760"/>
+          </a:xfrm>
+          <a:prstGeom prst="rect">
+            <a:avLst/>
+          </a:prstGeom>
+          <a:solidFill>
+            <a:srgbClr val="00B050"/>
+          </a:solidFill>
+          <a:ln w="19050">
+            <a:solidFill>
+              <a:srgbClr val="00B050"/>
+            </a:solidFill>
+          </a:ln>
+          <a:effectLst/>
+        </p:spPr>
+        <p:style>
+          <a:lnRef idx="1">
+            <a:schemeClr val="accent2"/>
+          </a:lnRef>
+          <a:fillRef idx="2">
+            <a:schemeClr val="accent2"/>
+          </a:fillRef>
+          <a:effectRef idx="1">
+            <a:schemeClr val="accent2"/>
+          </a:effectRef>
+          <a:fontRef idx="minor">
+            <a:schemeClr val="dk1"/>
+          </a:fontRef>
+        </p:style>
+        <p:txBody>
+          <a:bodyPr rtlCol="0" anchor="ctr"/>
+          <a:lstStyle/>
+          <a:p>
+            <a:pPr algn="ctr"/>
+            <a:r>
+              <a:rPr lang="en-US" sz="1050" dirty="0" smtClean="0">
+                <a:solidFill>
+                  <a:schemeClr val="bg1"/>
+                </a:solidFill>
+              </a:rPr>
+              <a:t>{abstract}</a:t>
+            </a:r>
+            <a:br>
+              <a:rPr lang="en-US" sz="1050" dirty="0" smtClean="0">
+                <a:solidFill>
+                  <a:schemeClr val="bg1"/>
+                </a:solidFill>
+              </a:rPr>
+            </a:br>
+            <a:r>
+              <a:rPr lang="en-US" sz="1050" dirty="0" smtClean="0">
+                <a:solidFill>
+                  <a:schemeClr val="bg1"/>
+                </a:solidFill>
+              </a:rPr>
+              <a:t>Storage</a:t>
+            </a:r>
+            <a:endParaRPr lang="en-SG" sz="1050" dirty="0">
+              <a:solidFill>
+                <a:schemeClr val="bg1"/>
+              </a:solidFill>
+            </a:endParaRPr>
+          </a:p>
+        </p:txBody>
+      </p:sp>
+      <p:cxnSp>
+        <p:nvCxnSpPr>
+          <p:cNvPr id="13" name="Elbow Connector 40"/>
+          <p:cNvCxnSpPr>
+            <a:stCxn id="14" idx="2"/>
+            <a:endCxn id="12" idx="0"/>
+          </p:cNvCxnSpPr>
+          <p:nvPr/>
+        </p:nvCxnSpPr>
+        <p:spPr>
+          <a:xfrm rot="5400000">
+            <a:off x="6067401" y="4280707"/>
+            <a:ext cx="316975" cy="12700"/>
+          </a:xfrm>
+          <a:prstGeom prst="bentConnector3">
+            <a:avLst>
+              <a:gd name="adj1" fmla="val 50000"/>
+            </a:avLst>
+          </a:prstGeom>
+          <a:ln w="19050">
+            <a:solidFill>
+              <a:srgbClr val="0070C0"/>
+            </a:solidFill>
+            <a:headEnd type="none" w="med" len="med"/>
+            <a:tailEnd type="arrow" w="med" len="med"/>
+          </a:ln>
+          <a:effectLst/>
+        </p:spPr>
+        <p:style>
+          <a:lnRef idx="1">
+            <a:schemeClr val="accent2"/>
+          </a:lnRef>
+          <a:fillRef idx="2">
+            <a:schemeClr val="accent2"/>
+          </a:fillRef>
+          <a:effectRef idx="1">
+            <a:schemeClr val="accent2"/>
+          </a:effectRef>
+          <a:fontRef idx="minor">
+            <a:schemeClr val="dk1"/>
+          </a:fontRef>
+        </p:style>
+      </p:cxnSp>
+      <p:sp>
+        <p:nvSpPr>
+          <p:cNvPr id="14" name="Rectangle 65"/>
+          <p:cNvSpPr/>
+          <p:nvPr/>
+        </p:nvSpPr>
+        <p:spPr>
+          <a:xfrm>
+            <a:off x="5830792" y="3679608"/>
+            <a:ext cx="790192" cy="442612"/>
+          </a:xfrm>
+          <a:prstGeom prst="rect">
+            <a:avLst/>
+          </a:prstGeom>
+          <a:solidFill>
+            <a:srgbClr val="0070C0"/>
+          </a:solidFill>
+          <a:ln w="19050">
+            <a:solidFill>
+              <a:srgbClr val="0070C0"/>
+            </a:solidFill>
+          </a:ln>
+          <a:effectLst/>
+        </p:spPr>
+        <p:style>
+          <a:lnRef idx="1">
+            <a:schemeClr val="accent2"/>
+          </a:lnRef>
+          <a:fillRef idx="2">
+            <a:schemeClr val="accent2"/>
+          </a:fillRef>
+          <a:effectRef idx="1">
+            <a:schemeClr val="accent2"/>
+          </a:effectRef>
+          <a:fontRef idx="minor">
+            <a:schemeClr val="dk1"/>
+          </a:fontRef>
+        </p:style>
+        <p:txBody>
+          <a:bodyPr rtlCol="0" anchor="ctr"/>
+          <a:lstStyle/>
+          <a:p>
+            <a:pPr algn="ctr"/>
+            <a:r>
+              <a:rPr lang="en-US" sz="1050" dirty="0">
+                <a:solidFill>
+                  <a:schemeClr val="bg1"/>
+                </a:solidFill>
+              </a:rPr>
+              <a:t>Logic</a:t>
+            </a:r>
+            <a:endParaRPr lang="en-SG" sz="1050" dirty="0">
+              <a:solidFill>
+                <a:schemeClr val="bg1"/>
+              </a:solidFill>
+            </a:endParaRPr>
+          </a:p>
+        </p:txBody>
+      </p:sp>
+      <p:sp>
+        <p:nvSpPr>
+          <p:cNvPr id="15" name="Rectangle 65"/>
+          <p:cNvSpPr/>
+          <p:nvPr/>
+        </p:nvSpPr>
+        <p:spPr>
+          <a:xfrm>
+            <a:off x="4154391" y="3685957"/>
+            <a:ext cx="790192" cy="442612"/>
+          </a:xfrm>
+          <a:prstGeom prst="rect">
+            <a:avLst/>
+          </a:prstGeom>
+          <a:ln/>
+        </p:spPr>
+        <p:style>
+          <a:lnRef idx="2">
+            <a:schemeClr val="accent1"/>
+          </a:lnRef>
+          <a:fillRef idx="1">
+            <a:schemeClr val="lt1"/>
+          </a:fillRef>
+          <a:effectRef idx="0">
+            <a:schemeClr val="accent1"/>
+          </a:effectRef>
+          <a:fontRef idx="minor">
+            <a:schemeClr val="dk1"/>
+          </a:fontRef>
+        </p:style>
+        <p:txBody>
+          <a:bodyPr rtlCol="0" anchor="ctr"/>
+          <a:lstStyle/>
+          <a:p>
+            <a:pPr algn="ctr"/>
+            <a:r>
+              <a:rPr lang="en-US" sz="1050" dirty="0" err="1" smtClean="0">
+                <a:solidFill>
+                  <a:srgbClr val="0070C0"/>
+                </a:solidFill>
+              </a:rPr>
+              <a:t>LogicTest</a:t>
+            </a:r>
+            <a:endParaRPr lang="en-SG" sz="1050" dirty="0">
+              <a:solidFill>
+                <a:srgbClr val="0070C0"/>
+              </a:solidFill>
+            </a:endParaRPr>
+          </a:p>
+        </p:txBody>
+      </p:sp>
+      <p:cxnSp>
+        <p:nvCxnSpPr>
+          <p:cNvPr id="16" name="Elbow Connector 40"/>
+          <p:cNvCxnSpPr>
+            <a:stCxn id="15" idx="3"/>
+            <a:endCxn id="14" idx="1"/>
+          </p:cNvCxnSpPr>
+          <p:nvPr/>
+        </p:nvCxnSpPr>
+        <p:spPr>
+          <a:xfrm flipV="1">
+            <a:off x="4944583" y="3900914"/>
+            <a:ext cx="886209" cy="6349"/>
+          </a:xfrm>
+          <a:prstGeom prst="bentConnector3">
+            <a:avLst>
+              <a:gd name="adj1" fmla="val 50000"/>
+            </a:avLst>
+          </a:prstGeom>
+          <a:ln w="19050">
+            <a:solidFill>
+              <a:srgbClr val="0070C0"/>
+            </a:solidFill>
+            <a:prstDash val="dash"/>
+            <a:headEnd type="none" w="med" len="med"/>
+            <a:tailEnd type="arrow" w="med" len="med"/>
+          </a:ln>
+          <a:effectLst/>
+        </p:spPr>
+        <p:style>
+          <a:lnRef idx="1">
+            <a:schemeClr val="accent2"/>
+          </a:lnRef>
+          <a:fillRef idx="2">
+            <a:schemeClr val="accent2"/>
+          </a:fillRef>
+          <a:effectRef idx="1">
+            <a:schemeClr val="accent2"/>
+          </a:effectRef>
+          <a:fontRef idx="minor">
+            <a:schemeClr val="dk1"/>
+          </a:fontRef>
+        </p:style>
+      </p:cxnSp>
+      <p:cxnSp>
+        <p:nvCxnSpPr>
+          <p:cNvPr id="17" name="Elbow Connector 40"/>
+          <p:cNvCxnSpPr>
+            <a:stCxn id="15" idx="2"/>
+            <a:endCxn id="18" idx="1"/>
+          </p:cNvCxnSpPr>
+          <p:nvPr/>
+        </p:nvCxnSpPr>
+        <p:spPr>
+          <a:xfrm rot="16200000" flipH="1">
+            <a:off x="4113498" y="4564558"/>
+            <a:ext cx="1162683" cy="290704"/>
+          </a:xfrm>
+          <a:prstGeom prst="bentConnector2">
+            <a:avLst/>
+          </a:prstGeom>
+          <a:ln w="19050">
+            <a:solidFill>
+              <a:srgbClr val="0070C0"/>
+            </a:solidFill>
+            <a:prstDash val="dash"/>
+            <a:headEnd type="none" w="med" len="med"/>
+            <a:tailEnd type="arrow" w="med" len="med"/>
+          </a:ln>
+          <a:effectLst/>
+        </p:spPr>
+        <p:style>
+          <a:lnRef idx="1">
+            <a:schemeClr val="accent2"/>
+          </a:lnRef>
+          <a:fillRef idx="2">
+            <a:schemeClr val="accent2"/>
+          </a:fillRef>
+          <a:effectRef idx="1">
+            <a:schemeClr val="accent2"/>
+          </a:effectRef>
+          <a:fontRef idx="minor">
+            <a:schemeClr val="dk1"/>
+          </a:fontRef>
+        </p:style>
+      </p:cxnSp>
+      <p:sp>
+        <p:nvSpPr>
+          <p:cNvPr id="18" name="Rectangle 22"/>
+          <p:cNvSpPr/>
+          <p:nvPr/>
+        </p:nvSpPr>
+        <p:spPr>
+          <a:xfrm>
+            <a:off x="4840191" y="5117872"/>
+            <a:ext cx="865573" cy="346760"/>
+          </a:xfrm>
+          <a:prstGeom prst="rect">
+            <a:avLst/>
+          </a:prstGeom>
+          <a:noFill/>
+          <a:ln w="19050">
+            <a:solidFill>
+              <a:srgbClr val="00B050"/>
+            </a:solidFill>
+          </a:ln>
+          <a:effectLst/>
+        </p:spPr>
+        <p:style>
+          <a:lnRef idx="1">
+            <a:schemeClr val="accent2"/>
+          </a:lnRef>
+          <a:fillRef idx="2">
+            <a:schemeClr val="accent2"/>
+          </a:fillRef>
+          <a:effectRef idx="1">
+            <a:schemeClr val="accent2"/>
+          </a:effectRef>
+          <a:fontRef idx="minor">
+            <a:schemeClr val="dk1"/>
+          </a:fontRef>
+        </p:style>
+        <p:txBody>
+          <a:bodyPr rtlCol="0" anchor="ctr"/>
+          <a:lstStyle/>
+          <a:p>
+            <a:pPr algn="ctr"/>
+            <a:r>
+              <a:rPr lang="en-US" sz="1050" dirty="0" err="1" smtClean="0">
+                <a:solidFill>
+                  <a:srgbClr val="00B050"/>
+                </a:solidFill>
+              </a:rPr>
+              <a:t>StorageStub</a:t>
+            </a:r>
+            <a:endParaRPr lang="en-SG" sz="1050" dirty="0">
+              <a:solidFill>
+                <a:srgbClr val="00B050"/>
+              </a:solidFill>
+            </a:endParaRPr>
+          </a:p>
+        </p:txBody>
+      </p:sp>
+      <p:sp>
+        <p:nvSpPr>
+          <p:cNvPr id="19" name="Rectangle 22"/>
+          <p:cNvSpPr/>
+          <p:nvPr/>
+        </p:nvSpPr>
+        <p:spPr>
+          <a:xfrm>
+            <a:off x="5763827" y="5117872"/>
+            <a:ext cx="865573" cy="346760"/>
+          </a:xfrm>
+          <a:prstGeom prst="rect">
+            <a:avLst/>
+          </a:prstGeom>
+          <a:solidFill>
+            <a:srgbClr val="00B050"/>
+          </a:solidFill>
+          <a:ln w="19050">
+            <a:solidFill>
+              <a:srgbClr val="00B050"/>
+            </a:solidFill>
+          </a:ln>
+          <a:effectLst/>
+        </p:spPr>
+        <p:style>
+          <a:lnRef idx="1">
+            <a:schemeClr val="accent2"/>
+          </a:lnRef>
+          <a:fillRef idx="2">
+            <a:schemeClr val="accent2"/>
+          </a:fillRef>
+          <a:effectRef idx="1">
+            <a:schemeClr val="accent2"/>
+          </a:effectRef>
+          <a:fontRef idx="minor">
+            <a:schemeClr val="dk1"/>
+          </a:fontRef>
+        </p:style>
+        <p:txBody>
+          <a:bodyPr rtlCol="0" anchor="ctr"/>
+          <a:lstStyle/>
+          <a:p>
+            <a:pPr algn="ctr"/>
+            <a:r>
+              <a:rPr lang="en-US" sz="1050" dirty="0" err="1" smtClean="0">
+                <a:solidFill>
+                  <a:schemeClr val="bg1"/>
+                </a:solidFill>
+              </a:rPr>
+              <a:t>StorageFile</a:t>
+            </a:r>
+            <a:endParaRPr lang="en-SG" sz="1050" dirty="0">
+              <a:solidFill>
+                <a:schemeClr val="bg1"/>
+              </a:solidFill>
+            </a:endParaRPr>
+          </a:p>
+        </p:txBody>
+      </p:sp>
+      <p:sp>
+        <p:nvSpPr>
+          <p:cNvPr id="21" name="Isosceles Triangle 102"/>
+          <p:cNvSpPr/>
+          <p:nvPr/>
+        </p:nvSpPr>
+        <p:spPr>
+          <a:xfrm rot="10800000" flipV="1">
+            <a:off x="6063663" y="4785955"/>
+            <a:ext cx="270504" cy="175523"/>
+          </a:xfrm>
+          <a:prstGeom prst="triangle">
+            <a:avLst/>
+          </a:prstGeom>
+          <a:ln>
+            <a:solidFill>
+              <a:srgbClr val="00B050"/>
+            </a:solidFill>
+          </a:ln>
+          <a:effectLst/>
+        </p:spPr>
+        <p:style>
+          <a:lnRef idx="1">
+            <a:schemeClr val="accent3"/>
+          </a:lnRef>
+          <a:fillRef idx="2">
+            <a:schemeClr val="accent3"/>
+          </a:fillRef>
+          <a:effectRef idx="1">
+            <a:schemeClr val="accent3"/>
+          </a:effectRef>
+          <a:fontRef idx="minor">
+            <a:schemeClr val="dk1"/>
+          </a:fontRef>
+        </p:style>
+        <p:txBody>
+          <a:bodyPr rtlCol="0" anchor="ctr"/>
+          <a:lstStyle/>
+          <a:p>
+            <a:pPr algn="ctr"/>
+            <a:endParaRPr lang="en-SG" sz="1050"/>
+          </a:p>
+        </p:txBody>
+      </p:sp>
+      <p:cxnSp>
+        <p:nvCxnSpPr>
+          <p:cNvPr id="22" name="Elbow Connector 103"/>
+          <p:cNvCxnSpPr>
+            <a:stCxn id="21" idx="3"/>
+            <a:endCxn id="18" idx="0"/>
+          </p:cNvCxnSpPr>
+          <p:nvPr/>
+        </p:nvCxnSpPr>
+        <p:spPr>
+          <a:xfrm rot="5400000">
+            <a:off x="5657750" y="4576707"/>
+            <a:ext cx="156394" cy="925937"/>
+          </a:xfrm>
+          <a:prstGeom prst="bentConnector3">
+            <a:avLst>
+              <a:gd name="adj1" fmla="val 50000"/>
+            </a:avLst>
+          </a:prstGeom>
+          <a:ln w="19050">
+            <a:solidFill>
+              <a:srgbClr val="00B050"/>
+            </a:solidFill>
+            <a:prstDash val="solid"/>
+            <a:headEnd type="none" w="med" len="med"/>
+            <a:tailEnd type="none" w="med" len="med"/>
+          </a:ln>
+          <a:effectLst/>
+        </p:spPr>
+        <p:style>
+          <a:lnRef idx="1">
+            <a:schemeClr val="accent2"/>
+          </a:lnRef>
+          <a:fillRef idx="2">
+            <a:schemeClr val="accent2"/>
+          </a:fillRef>
+          <a:effectRef idx="1">
+            <a:schemeClr val="accent2"/>
+          </a:effectRef>
+          <a:fontRef idx="minor">
+            <a:schemeClr val="dk1"/>
+          </a:fontRef>
+        </p:style>
+      </p:cxnSp>
+      <p:cxnSp>
+        <p:nvCxnSpPr>
+          <p:cNvPr id="24" name="Elbow Connector 103"/>
+          <p:cNvCxnSpPr>
+            <a:stCxn id="21" idx="3"/>
+            <a:endCxn id="19" idx="0"/>
+          </p:cNvCxnSpPr>
+          <p:nvPr/>
+        </p:nvCxnSpPr>
+        <p:spPr>
+          <a:xfrm rot="5400000">
+            <a:off x="6119568" y="5038525"/>
+            <a:ext cx="156394" cy="2301"/>
+          </a:xfrm>
+          <a:prstGeom prst="bentConnector3">
+            <a:avLst>
+              <a:gd name="adj1" fmla="val 50000"/>
+            </a:avLst>
+          </a:prstGeom>
+          <a:ln w="19050">
+            <a:solidFill>
+              <a:srgbClr val="00B050"/>
+            </a:solidFill>
+            <a:prstDash val="solid"/>
+            <a:headEnd type="none" w="med" len="med"/>
+            <a:tailEnd type="none" w="med" len="med"/>
+          </a:ln>
+          <a:effectLst/>
+        </p:spPr>
+        <p:style>
+          <a:lnRef idx="1">
+            <a:schemeClr val="accent2"/>
+          </a:lnRef>
+          <a:fillRef idx="2">
+            <a:schemeClr val="accent2"/>
+          </a:fillRef>
+          <a:effectRef idx="1">
+            <a:schemeClr val="accent2"/>
+          </a:effectRef>
+          <a:fontRef idx="minor">
+            <a:schemeClr val="dk1"/>
+          </a:fontRef>
+        </p:style>
+      </p:cxnSp>
+      <p:sp>
+        <p:nvSpPr>
+          <p:cNvPr id="27" name="Striped Right Arrow 26"/>
+          <p:cNvSpPr/>
+          <p:nvPr/>
+        </p:nvSpPr>
+        <p:spPr>
+          <a:xfrm>
+            <a:off x="3505200" y="4122220"/>
+            <a:ext cx="304800" cy="269627"/>
+          </a:xfrm>
+          <a:prstGeom prst="stripedRightArrow">
+            <a:avLst/>
+          </a:prstGeom>
+          <a:solidFill>
+            <a:schemeClr val="bg1">
+              <a:lumMod val="75000"/>
+            </a:schemeClr>
+          </a:solidFill>
+          <a:ln>
+            <a:noFill/>
+          </a:ln>
+        </p:spPr>
+        <p:style>
+          <a:lnRef idx="2">
+            <a:schemeClr val="accent1">
+              <a:shade val="50000"/>
+            </a:schemeClr>
+          </a:lnRef>
+          <a:fillRef idx="1">
+            <a:schemeClr val="accent1"/>
+          </a:fillRef>
+          <a:effectRef idx="0">
+            <a:schemeClr val="accent1"/>
+          </a:effectRef>
+          <a:fontRef idx="minor">
+            <a:schemeClr val="lt1"/>
+          </a:fontRef>
+        </p:style>
+        <p:txBody>
+          <a:bodyPr rtlCol="0" anchor="ctr"/>
+          <a:lstStyle/>
+          <a:p>
+            <a:pPr algn="ctr"/>
+            <a:endParaRPr lang="en-SG"/>
+          </a:p>
+        </p:txBody>
+      </p:sp>
+    </p:spTree>
+    <p:extLst>
+      <p:ext uri="{BB962C8B-B14F-4D97-AF65-F5344CB8AC3E}">
+        <p14:creationId xmlns:p14="http://schemas.microsoft.com/office/powerpoint/2010/main" val="2619388383"/>
       </p:ext>
     </p:extLst>
   </p:cSld>

--- a/doc/Diagrams.pptx
+++ b/doc/Diagrams.pptx
@@ -7786,6 +7786,538 @@
         <p:spPr>
           <a:xfrm>
             <a:off x="3505200" y="4122220"/>
+            <a:ext cx="304800" cy="269627"/>
+          </a:xfrm>
+          <a:prstGeom prst="stripedRightArrow">
+            <a:avLst/>
+          </a:prstGeom>
+          <a:solidFill>
+            <a:schemeClr val="bg1">
+              <a:lumMod val="75000"/>
+            </a:schemeClr>
+          </a:solidFill>
+          <a:ln>
+            <a:noFill/>
+          </a:ln>
+        </p:spPr>
+        <p:style>
+          <a:lnRef idx="2">
+            <a:schemeClr val="accent1">
+              <a:shade val="50000"/>
+            </a:schemeClr>
+          </a:lnRef>
+          <a:fillRef idx="1">
+            <a:schemeClr val="accent1"/>
+          </a:fillRef>
+          <a:effectRef idx="0">
+            <a:schemeClr val="accent1"/>
+          </a:effectRef>
+          <a:fontRef idx="minor">
+            <a:schemeClr val="lt1"/>
+          </a:fontRef>
+        </p:style>
+        <p:txBody>
+          <a:bodyPr rtlCol="0" anchor="ctr"/>
+          <a:lstStyle/>
+          <a:p>
+            <a:pPr algn="ctr"/>
+            <a:endParaRPr lang="en-SG"/>
+          </a:p>
+        </p:txBody>
+      </p:sp>
+      <p:sp>
+        <p:nvSpPr>
+          <p:cNvPr id="20" name="Rectangle 22"/>
+          <p:cNvSpPr/>
+          <p:nvPr/>
+        </p:nvSpPr>
+        <p:spPr>
+          <a:xfrm>
+            <a:off x="2209799" y="1750187"/>
+            <a:ext cx="790193" cy="346760"/>
+          </a:xfrm>
+          <a:prstGeom prst="rect">
+            <a:avLst/>
+          </a:prstGeom>
+          <a:solidFill>
+            <a:srgbClr val="00B050"/>
+          </a:solidFill>
+          <a:ln w="19050">
+            <a:solidFill>
+              <a:srgbClr val="00B050"/>
+            </a:solidFill>
+          </a:ln>
+          <a:effectLst/>
+        </p:spPr>
+        <p:style>
+          <a:lnRef idx="1">
+            <a:schemeClr val="accent2"/>
+          </a:lnRef>
+          <a:fillRef idx="2">
+            <a:schemeClr val="accent2"/>
+          </a:fillRef>
+          <a:effectRef idx="1">
+            <a:schemeClr val="accent2"/>
+          </a:effectRef>
+          <a:fontRef idx="minor">
+            <a:schemeClr val="dk1"/>
+          </a:fontRef>
+        </p:style>
+        <p:txBody>
+          <a:bodyPr rtlCol="0" anchor="ctr"/>
+          <a:lstStyle/>
+          <a:p>
+            <a:pPr algn="ctr"/>
+            <a:r>
+              <a:rPr lang="en-US" sz="1050" dirty="0" err="1">
+                <a:solidFill>
+                  <a:schemeClr val="bg1"/>
+                </a:solidFill>
+              </a:rPr>
+              <a:t>StorageFile</a:t>
+            </a:r>
+            <a:endParaRPr lang="en-SG" sz="1050" dirty="0">
+              <a:solidFill>
+                <a:schemeClr val="bg1"/>
+              </a:solidFill>
+            </a:endParaRPr>
+          </a:p>
+        </p:txBody>
+      </p:sp>
+      <p:cxnSp>
+        <p:nvCxnSpPr>
+          <p:cNvPr id="23" name="Elbow Connector 40"/>
+          <p:cNvCxnSpPr>
+            <a:stCxn id="25" idx="2"/>
+            <a:endCxn id="20" idx="0"/>
+          </p:cNvCxnSpPr>
+          <p:nvPr/>
+        </p:nvCxnSpPr>
+        <p:spPr>
+          <a:xfrm rot="16200000" flipH="1">
+            <a:off x="2446408" y="1591698"/>
+            <a:ext cx="316975" cy="1"/>
+          </a:xfrm>
+          <a:prstGeom prst="bentConnector3">
+            <a:avLst>
+              <a:gd name="adj1" fmla="val 50000"/>
+            </a:avLst>
+          </a:prstGeom>
+          <a:ln w="19050">
+            <a:solidFill>
+              <a:srgbClr val="0070C0"/>
+            </a:solidFill>
+            <a:headEnd type="none" w="med" len="med"/>
+            <a:tailEnd type="arrow" w="med" len="med"/>
+          </a:ln>
+          <a:effectLst/>
+        </p:spPr>
+        <p:style>
+          <a:lnRef idx="1">
+            <a:schemeClr val="accent2"/>
+          </a:lnRef>
+          <a:fillRef idx="2">
+            <a:schemeClr val="accent2"/>
+          </a:fillRef>
+          <a:effectRef idx="1">
+            <a:schemeClr val="accent2"/>
+          </a:effectRef>
+          <a:fontRef idx="minor">
+            <a:schemeClr val="dk1"/>
+          </a:fontRef>
+        </p:style>
+      </p:cxnSp>
+      <p:sp>
+        <p:nvSpPr>
+          <p:cNvPr id="25" name="Rectangle 65"/>
+          <p:cNvSpPr/>
+          <p:nvPr/>
+        </p:nvSpPr>
+        <p:spPr>
+          <a:xfrm>
+            <a:off x="2209799" y="990600"/>
+            <a:ext cx="790192" cy="442612"/>
+          </a:xfrm>
+          <a:prstGeom prst="rect">
+            <a:avLst/>
+          </a:prstGeom>
+          <a:solidFill>
+            <a:srgbClr val="0070C0"/>
+          </a:solidFill>
+          <a:ln w="19050">
+            <a:solidFill>
+              <a:srgbClr val="0070C0"/>
+            </a:solidFill>
+          </a:ln>
+          <a:effectLst/>
+        </p:spPr>
+        <p:style>
+          <a:lnRef idx="1">
+            <a:schemeClr val="accent2"/>
+          </a:lnRef>
+          <a:fillRef idx="2">
+            <a:schemeClr val="accent2"/>
+          </a:fillRef>
+          <a:effectRef idx="1">
+            <a:schemeClr val="accent2"/>
+          </a:effectRef>
+          <a:fontRef idx="minor">
+            <a:schemeClr val="dk1"/>
+          </a:fontRef>
+        </p:style>
+        <p:txBody>
+          <a:bodyPr rtlCol="0" anchor="ctr"/>
+          <a:lstStyle/>
+          <a:p>
+            <a:pPr algn="ctr"/>
+            <a:r>
+              <a:rPr lang="en-US" sz="1050" dirty="0">
+                <a:solidFill>
+                  <a:schemeClr val="bg1"/>
+                </a:solidFill>
+              </a:rPr>
+              <a:t>Logic</a:t>
+            </a:r>
+            <a:endParaRPr lang="en-SG" sz="1050" dirty="0">
+              <a:solidFill>
+                <a:schemeClr val="bg1"/>
+              </a:solidFill>
+            </a:endParaRPr>
+          </a:p>
+        </p:txBody>
+      </p:sp>
+      <p:sp>
+        <p:nvSpPr>
+          <p:cNvPr id="30" name="Rectangle 22"/>
+          <p:cNvSpPr/>
+          <p:nvPr/>
+        </p:nvSpPr>
+        <p:spPr>
+          <a:xfrm>
+            <a:off x="4270468" y="1719833"/>
+            <a:ext cx="790193" cy="346760"/>
+          </a:xfrm>
+          <a:prstGeom prst="rect">
+            <a:avLst/>
+          </a:prstGeom>
+          <a:solidFill>
+            <a:srgbClr val="00B050"/>
+          </a:solidFill>
+          <a:ln w="19050">
+            <a:solidFill>
+              <a:srgbClr val="00B050"/>
+            </a:solidFill>
+          </a:ln>
+          <a:effectLst/>
+        </p:spPr>
+        <p:style>
+          <a:lnRef idx="1">
+            <a:schemeClr val="accent2"/>
+          </a:lnRef>
+          <a:fillRef idx="2">
+            <a:schemeClr val="accent2"/>
+          </a:fillRef>
+          <a:effectRef idx="1">
+            <a:schemeClr val="accent2"/>
+          </a:effectRef>
+          <a:fontRef idx="minor">
+            <a:schemeClr val="dk1"/>
+          </a:fontRef>
+        </p:style>
+        <p:txBody>
+          <a:bodyPr rtlCol="0" anchor="ctr"/>
+          <a:lstStyle/>
+          <a:p>
+            <a:pPr algn="ctr"/>
+            <a:r>
+              <a:rPr lang="en-US" sz="1050" dirty="0" smtClean="0">
+                <a:solidFill>
+                  <a:schemeClr val="bg1"/>
+                </a:solidFill>
+              </a:rPr>
+              <a:t>{abstract}</a:t>
+            </a:r>
+            <a:br>
+              <a:rPr lang="en-US" sz="1050" dirty="0" smtClean="0">
+                <a:solidFill>
+                  <a:schemeClr val="bg1"/>
+                </a:solidFill>
+              </a:rPr>
+            </a:br>
+            <a:r>
+              <a:rPr lang="en-US" sz="1050" dirty="0" smtClean="0">
+                <a:solidFill>
+                  <a:schemeClr val="bg1"/>
+                </a:solidFill>
+              </a:rPr>
+              <a:t>Storage</a:t>
+            </a:r>
+            <a:endParaRPr lang="en-SG" sz="1050" dirty="0">
+              <a:solidFill>
+                <a:schemeClr val="bg1"/>
+              </a:solidFill>
+            </a:endParaRPr>
+          </a:p>
+        </p:txBody>
+      </p:sp>
+      <p:cxnSp>
+        <p:nvCxnSpPr>
+          <p:cNvPr id="31" name="Elbow Connector 40"/>
+          <p:cNvCxnSpPr>
+            <a:stCxn id="32" idx="2"/>
+            <a:endCxn id="30" idx="0"/>
+          </p:cNvCxnSpPr>
+          <p:nvPr/>
+        </p:nvCxnSpPr>
+        <p:spPr>
+          <a:xfrm rot="16200000" flipH="1">
+            <a:off x="4507077" y="1561344"/>
+            <a:ext cx="316975" cy="1"/>
+          </a:xfrm>
+          <a:prstGeom prst="bentConnector3">
+            <a:avLst>
+              <a:gd name="adj1" fmla="val 50000"/>
+            </a:avLst>
+          </a:prstGeom>
+          <a:ln w="19050">
+            <a:solidFill>
+              <a:srgbClr val="0070C0"/>
+            </a:solidFill>
+            <a:headEnd type="none" w="med" len="med"/>
+            <a:tailEnd type="arrow" w="med" len="med"/>
+          </a:ln>
+          <a:effectLst/>
+        </p:spPr>
+        <p:style>
+          <a:lnRef idx="1">
+            <a:schemeClr val="accent2"/>
+          </a:lnRef>
+          <a:fillRef idx="2">
+            <a:schemeClr val="accent2"/>
+          </a:fillRef>
+          <a:effectRef idx="1">
+            <a:schemeClr val="accent2"/>
+          </a:effectRef>
+          <a:fontRef idx="minor">
+            <a:schemeClr val="dk1"/>
+          </a:fontRef>
+        </p:style>
+      </p:cxnSp>
+      <p:sp>
+        <p:nvSpPr>
+          <p:cNvPr id="32" name="Rectangle 65"/>
+          <p:cNvSpPr/>
+          <p:nvPr/>
+        </p:nvSpPr>
+        <p:spPr>
+          <a:xfrm>
+            <a:off x="4270468" y="960246"/>
+            <a:ext cx="790192" cy="442612"/>
+          </a:xfrm>
+          <a:prstGeom prst="rect">
+            <a:avLst/>
+          </a:prstGeom>
+          <a:solidFill>
+            <a:srgbClr val="0070C0"/>
+          </a:solidFill>
+          <a:ln w="19050">
+            <a:solidFill>
+              <a:srgbClr val="0070C0"/>
+            </a:solidFill>
+          </a:ln>
+          <a:effectLst/>
+        </p:spPr>
+        <p:style>
+          <a:lnRef idx="1">
+            <a:schemeClr val="accent2"/>
+          </a:lnRef>
+          <a:fillRef idx="2">
+            <a:schemeClr val="accent2"/>
+          </a:fillRef>
+          <a:effectRef idx="1">
+            <a:schemeClr val="accent2"/>
+          </a:effectRef>
+          <a:fontRef idx="minor">
+            <a:schemeClr val="dk1"/>
+          </a:fontRef>
+        </p:style>
+        <p:txBody>
+          <a:bodyPr rtlCol="0" anchor="ctr"/>
+          <a:lstStyle/>
+          <a:p>
+            <a:pPr algn="ctr"/>
+            <a:r>
+              <a:rPr lang="en-US" sz="1050" dirty="0">
+                <a:solidFill>
+                  <a:schemeClr val="bg1"/>
+                </a:solidFill>
+              </a:rPr>
+              <a:t>Logic</a:t>
+            </a:r>
+            <a:endParaRPr lang="en-SG" sz="1050" dirty="0">
+              <a:solidFill>
+                <a:schemeClr val="bg1"/>
+              </a:solidFill>
+            </a:endParaRPr>
+          </a:p>
+        </p:txBody>
+      </p:sp>
+      <p:sp>
+        <p:nvSpPr>
+          <p:cNvPr id="37" name="Rectangle 22"/>
+          <p:cNvSpPr/>
+          <p:nvPr/>
+        </p:nvSpPr>
+        <p:spPr>
+          <a:xfrm>
+            <a:off x="4232778" y="2398510"/>
+            <a:ext cx="865573" cy="346760"/>
+          </a:xfrm>
+          <a:prstGeom prst="rect">
+            <a:avLst/>
+          </a:prstGeom>
+          <a:solidFill>
+            <a:srgbClr val="00B050"/>
+          </a:solidFill>
+          <a:ln w="19050">
+            <a:solidFill>
+              <a:srgbClr val="00B050"/>
+            </a:solidFill>
+          </a:ln>
+          <a:effectLst/>
+        </p:spPr>
+        <p:style>
+          <a:lnRef idx="1">
+            <a:schemeClr val="accent2"/>
+          </a:lnRef>
+          <a:fillRef idx="2">
+            <a:schemeClr val="accent2"/>
+          </a:fillRef>
+          <a:effectRef idx="1">
+            <a:schemeClr val="accent2"/>
+          </a:effectRef>
+          <a:fontRef idx="minor">
+            <a:schemeClr val="dk1"/>
+          </a:fontRef>
+        </p:style>
+        <p:txBody>
+          <a:bodyPr rtlCol="0" anchor="ctr"/>
+          <a:lstStyle/>
+          <a:p>
+            <a:pPr algn="ctr"/>
+            <a:r>
+              <a:rPr lang="en-US" sz="1050" dirty="0" err="1" smtClean="0">
+                <a:solidFill>
+                  <a:schemeClr val="bg1"/>
+                </a:solidFill>
+              </a:rPr>
+              <a:t>StorageFile</a:t>
+            </a:r>
+            <a:endParaRPr lang="en-SG" sz="1050" dirty="0">
+              <a:solidFill>
+                <a:schemeClr val="bg1"/>
+              </a:solidFill>
+            </a:endParaRPr>
+          </a:p>
+        </p:txBody>
+      </p:sp>
+      <p:sp>
+        <p:nvSpPr>
+          <p:cNvPr id="38" name="Isosceles Triangle 102"/>
+          <p:cNvSpPr/>
+          <p:nvPr/>
+        </p:nvSpPr>
+        <p:spPr>
+          <a:xfrm rot="10800000" flipV="1">
+            <a:off x="4530312" y="2066593"/>
+            <a:ext cx="270504" cy="175523"/>
+          </a:xfrm>
+          <a:prstGeom prst="triangle">
+            <a:avLst/>
+          </a:prstGeom>
+          <a:ln>
+            <a:solidFill>
+              <a:srgbClr val="00B050"/>
+            </a:solidFill>
+          </a:ln>
+          <a:effectLst/>
+        </p:spPr>
+        <p:style>
+          <a:lnRef idx="1">
+            <a:schemeClr val="accent3"/>
+          </a:lnRef>
+          <a:fillRef idx="2">
+            <a:schemeClr val="accent3"/>
+          </a:fillRef>
+          <a:effectRef idx="1">
+            <a:schemeClr val="accent3"/>
+          </a:effectRef>
+          <a:fontRef idx="minor">
+            <a:schemeClr val="dk1"/>
+          </a:fontRef>
+        </p:style>
+        <p:txBody>
+          <a:bodyPr rtlCol="0" anchor="ctr"/>
+          <a:lstStyle/>
+          <a:p>
+            <a:pPr algn="ctr"/>
+            <a:endParaRPr lang="en-SG" sz="1050"/>
+          </a:p>
+        </p:txBody>
+      </p:sp>
+      <p:cxnSp>
+        <p:nvCxnSpPr>
+          <p:cNvPr id="40" name="Elbow Connector 103"/>
+          <p:cNvCxnSpPr>
+            <a:stCxn id="38" idx="3"/>
+            <a:endCxn id="37" idx="0"/>
+          </p:cNvCxnSpPr>
+          <p:nvPr/>
+        </p:nvCxnSpPr>
+        <p:spPr>
+          <a:xfrm rot="16200000" flipH="1">
+            <a:off x="4587367" y="2320312"/>
+            <a:ext cx="156394" cy="1"/>
+          </a:xfrm>
+          <a:prstGeom prst="bentConnector3">
+            <a:avLst>
+              <a:gd name="adj1" fmla="val 50000"/>
+            </a:avLst>
+          </a:prstGeom>
+          <a:ln w="19050">
+            <a:solidFill>
+              <a:srgbClr val="00B050"/>
+            </a:solidFill>
+            <a:prstDash val="solid"/>
+            <a:headEnd type="none" w="med" len="med"/>
+            <a:tailEnd type="none" w="med" len="med"/>
+          </a:ln>
+          <a:effectLst/>
+        </p:spPr>
+        <p:style>
+          <a:lnRef idx="1">
+            <a:schemeClr val="accent2"/>
+          </a:lnRef>
+          <a:fillRef idx="2">
+            <a:schemeClr val="accent2"/>
+          </a:fillRef>
+          <a:effectRef idx="1">
+            <a:schemeClr val="accent2"/>
+          </a:effectRef>
+          <a:fontRef idx="minor">
+            <a:schemeClr val="dk1"/>
+          </a:fontRef>
+        </p:style>
+      </p:cxnSp>
+      <p:sp>
+        <p:nvSpPr>
+          <p:cNvPr id="41" name="Striped Right Arrow 40"/>
+          <p:cNvSpPr/>
+          <p:nvPr/>
+        </p:nvSpPr>
+        <p:spPr>
+          <a:xfrm>
+            <a:off x="3498756" y="1402858"/>
             <a:ext cx="304800" cy="269627"/>
           </a:xfrm>
           <a:prstGeom prst="stripedRightArrow">

--- a/doc/Diagrams.pptx
+++ b/doc/Diagrams.pptx
@@ -194,7 +194,7 @@
           <a:p>
             <a:fld id="{F5CC4B3F-88C1-4FFA-B1B6-F41C21DC6924}" type="datetimeFigureOut">
               <a:rPr lang="en-US" smtClean="0"/>
-              <a:t>9/12/2016</a:t>
+              <a:t>9/18/2016</a:t>
             </a:fld>
             <a:endParaRPr lang="en-US"/>
           </a:p>
@@ -727,7 +727,7 @@
           <a:p>
             <a:fld id="{78C97017-6FC3-485B-9764-EAC9E56C1D49}" type="datetimeFigureOut">
               <a:rPr lang="en-US" smtClean="0"/>
-              <a:t>9/12/2016</a:t>
+              <a:t>9/18/2016</a:t>
             </a:fld>
             <a:endParaRPr lang="en-US"/>
           </a:p>
@@ -897,7 +897,7 @@
           <a:p>
             <a:fld id="{78C97017-6FC3-485B-9764-EAC9E56C1D49}" type="datetimeFigureOut">
               <a:rPr lang="en-US" smtClean="0"/>
-              <a:t>9/12/2016</a:t>
+              <a:t>9/18/2016</a:t>
             </a:fld>
             <a:endParaRPr lang="en-US"/>
           </a:p>
@@ -1077,7 +1077,7 @@
           <a:p>
             <a:fld id="{78C97017-6FC3-485B-9764-EAC9E56C1D49}" type="datetimeFigureOut">
               <a:rPr lang="en-US" smtClean="0"/>
-              <a:t>9/12/2016</a:t>
+              <a:t>9/18/2016</a:t>
             </a:fld>
             <a:endParaRPr lang="en-US"/>
           </a:p>
@@ -1247,7 +1247,7 @@
           <a:p>
             <a:fld id="{78C97017-6FC3-485B-9764-EAC9E56C1D49}" type="datetimeFigureOut">
               <a:rPr lang="en-US" smtClean="0"/>
-              <a:t>9/12/2016</a:t>
+              <a:t>9/18/2016</a:t>
             </a:fld>
             <a:endParaRPr lang="en-US"/>
           </a:p>
@@ -1493,7 +1493,7 @@
           <a:p>
             <a:fld id="{78C97017-6FC3-485B-9764-EAC9E56C1D49}" type="datetimeFigureOut">
               <a:rPr lang="en-US" smtClean="0"/>
-              <a:t>9/12/2016</a:t>
+              <a:t>9/18/2016</a:t>
             </a:fld>
             <a:endParaRPr lang="en-US"/>
           </a:p>
@@ -1781,7 +1781,7 @@
           <a:p>
             <a:fld id="{78C97017-6FC3-485B-9764-EAC9E56C1D49}" type="datetimeFigureOut">
               <a:rPr lang="en-US" smtClean="0"/>
-              <a:t>9/12/2016</a:t>
+              <a:t>9/18/2016</a:t>
             </a:fld>
             <a:endParaRPr lang="en-US"/>
           </a:p>
@@ -2203,7 +2203,7 @@
           <a:p>
             <a:fld id="{78C97017-6FC3-485B-9764-EAC9E56C1D49}" type="datetimeFigureOut">
               <a:rPr lang="en-US" smtClean="0"/>
-              <a:t>9/12/2016</a:t>
+              <a:t>9/18/2016</a:t>
             </a:fld>
             <a:endParaRPr lang="en-US"/>
           </a:p>
@@ -2321,7 +2321,7 @@
           <a:p>
             <a:fld id="{78C97017-6FC3-485B-9764-EAC9E56C1D49}" type="datetimeFigureOut">
               <a:rPr lang="en-US" smtClean="0"/>
-              <a:t>9/12/2016</a:t>
+              <a:t>9/18/2016</a:t>
             </a:fld>
             <a:endParaRPr lang="en-US"/>
           </a:p>
@@ -2416,7 +2416,7 @@
           <a:p>
             <a:fld id="{78C97017-6FC3-485B-9764-EAC9E56C1D49}" type="datetimeFigureOut">
               <a:rPr lang="en-US" smtClean="0"/>
-              <a:t>9/12/2016</a:t>
+              <a:t>9/18/2016</a:t>
             </a:fld>
             <a:endParaRPr lang="en-US"/>
           </a:p>
@@ -2693,7 +2693,7 @@
           <a:p>
             <a:fld id="{78C97017-6FC3-485B-9764-EAC9E56C1D49}" type="datetimeFigureOut">
               <a:rPr lang="en-US" smtClean="0"/>
-              <a:t>9/12/2016</a:t>
+              <a:t>9/18/2016</a:t>
             </a:fld>
             <a:endParaRPr lang="en-US"/>
           </a:p>
@@ -2946,7 +2946,7 @@
           <a:p>
             <a:fld id="{78C97017-6FC3-485B-9764-EAC9E56C1D49}" type="datetimeFigureOut">
               <a:rPr lang="en-US" smtClean="0"/>
-              <a:t>9/12/2016</a:t>
+              <a:t>9/18/2016</a:t>
             </a:fld>
             <a:endParaRPr lang="en-US"/>
           </a:p>
@@ -3159,7 +3159,7 @@
           <a:p>
             <a:fld id="{78C97017-6FC3-485B-9764-EAC9E56C1D49}" type="datetimeFigureOut">
               <a:rPr lang="en-US" smtClean="0"/>
-              <a:t>9/12/2016</a:t>
+              <a:t>9/18/2016</a:t>
             </a:fld>
             <a:endParaRPr lang="en-US"/>
           </a:p>
@@ -6926,7 +6926,7 @@
         </p:nvSpPr>
         <p:spPr>
           <a:xfrm>
-            <a:off x="2410207" y="4460471"/>
+            <a:off x="2414826" y="4460471"/>
             <a:ext cx="790193" cy="346760"/>
           </a:xfrm>
           <a:prstGeom prst="rect">
@@ -6987,9 +6987,9 @@
           <p:nvPr/>
         </p:nvCxnSpPr>
         <p:spPr>
-          <a:xfrm rot="5400000">
-            <a:off x="2646817" y="4301983"/>
-            <a:ext cx="316975" cy="12700"/>
+          <a:xfrm rot="16200000" flipH="1">
+            <a:off x="2651435" y="4301982"/>
+            <a:ext cx="316975" cy="1"/>
           </a:xfrm>
           <a:prstGeom prst="bentConnector3">
             <a:avLst>
@@ -7028,7 +7028,7 @@
         </p:nvSpPr>
         <p:spPr>
           <a:xfrm>
-            <a:off x="2410208" y="3700884"/>
+            <a:off x="2414826" y="3700884"/>
             <a:ext cx="790192" cy="442612"/>
           </a:xfrm>
           <a:prstGeom prst="rect">
@@ -7142,7 +7142,7 @@
         <p:spPr>
           <a:xfrm flipV="1">
             <a:off x="1704592" y="3922190"/>
-            <a:ext cx="705616" cy="6349"/>
+            <a:ext cx="710234" cy="6349"/>
           </a:xfrm>
           <a:prstGeom prst="bentConnector3">
             <a:avLst>
@@ -7185,8 +7185,8 @@
         </p:nvCxnSpPr>
         <p:spPr>
           <a:xfrm rot="16200000" flipH="1">
-            <a:off x="1617848" y="3841492"/>
-            <a:ext cx="484006" cy="1100711"/>
+            <a:off x="1620158" y="3839183"/>
+            <a:ext cx="484006" cy="1105330"/>
           </a:xfrm>
           <a:prstGeom prst="bentConnector2">
             <a:avLst/>
@@ -7231,11 +7231,11 @@
             <a:avLst/>
           </a:prstGeom>
           <a:solidFill>
-            <a:srgbClr val="00B050"/>
+            <a:srgbClr val="0070C0"/>
           </a:solidFill>
           <a:ln w="19050">
             <a:solidFill>
-              <a:srgbClr val="00B050"/>
+              <a:srgbClr val="0070C0"/>
             </a:solidFill>
           </a:ln>
           <a:effectLst/>
@@ -7260,7 +7260,7 @@
           <a:p>
             <a:pPr algn="ctr"/>
             <a:r>
-              <a:rPr lang="en-US" sz="1050" dirty="0" smtClean="0">
+              <a:rPr lang="en-US" sz="1050" dirty="0">
                 <a:solidFill>
                   <a:schemeClr val="bg1"/>
                 </a:solidFill>
@@ -7268,14 +7268,14 @@
               <a:t>{abstract}</a:t>
             </a:r>
             <a:br>
-              <a:rPr lang="en-US" sz="1050" dirty="0" smtClean="0">
+              <a:rPr lang="en-US" sz="1050" dirty="0">
                 <a:solidFill>
                   <a:schemeClr val="bg1"/>
                 </a:solidFill>
               </a:rPr>
             </a:br>
             <a:r>
-              <a:rPr lang="en-US" sz="1050" dirty="0" smtClean="0">
+              <a:rPr lang="en-US" sz="1050" dirty="0">
                 <a:solidFill>
                   <a:schemeClr val="bg1"/>
                 </a:solidFill>
@@ -7300,9 +7300,9 @@
           <p:nvPr/>
         </p:nvCxnSpPr>
         <p:spPr>
-          <a:xfrm rot="5400000">
-            <a:off x="6067401" y="4280707"/>
-            <a:ext cx="316975" cy="12700"/>
+          <a:xfrm rot="16200000" flipH="1">
+            <a:off x="6067400" y="4280706"/>
+            <a:ext cx="316975" cy="1"/>
           </a:xfrm>
           <a:prstGeom prst="bentConnector3">
             <a:avLst>
@@ -7341,7 +7341,7 @@
         </p:nvSpPr>
         <p:spPr>
           <a:xfrm>
-            <a:off x="5830792" y="3679608"/>
+            <a:off x="5830791" y="3679608"/>
             <a:ext cx="790192" cy="442612"/>
           </a:xfrm>
           <a:prstGeom prst="rect">
@@ -7455,7 +7455,7 @@
         <p:spPr>
           <a:xfrm flipV="1">
             <a:off x="4944583" y="3900914"/>
-            <a:ext cx="886209" cy="6349"/>
+            <a:ext cx="886208" cy="6349"/>
           </a:xfrm>
           <a:prstGeom prst="bentConnector3">
             <a:avLst>
@@ -8001,11 +8001,11 @@
             <a:avLst/>
           </a:prstGeom>
           <a:solidFill>
-            <a:srgbClr val="00B050"/>
+            <a:srgbClr val="0070C0"/>
           </a:solidFill>
           <a:ln w="19050">
             <a:solidFill>
-              <a:srgbClr val="00B050"/>
+              <a:srgbClr val="0070C0"/>
             </a:solidFill>
           </a:ln>
           <a:effectLst/>
@@ -8030,7 +8030,7 @@
           <a:p>
             <a:pPr algn="ctr"/>
             <a:r>
-              <a:rPr lang="en-US" sz="1050" dirty="0" smtClean="0">
+              <a:rPr lang="en-US" sz="1050" dirty="0">
                 <a:solidFill>
                   <a:schemeClr val="bg1"/>
                 </a:solidFill>
@@ -8038,14 +8038,14 @@
               <a:t>{abstract}</a:t>
             </a:r>
             <a:br>
-              <a:rPr lang="en-US" sz="1050" dirty="0" smtClean="0">
+              <a:rPr lang="en-US" sz="1050" dirty="0">
                 <a:solidFill>
                   <a:schemeClr val="bg1"/>
                 </a:solidFill>
               </a:rPr>
             </a:br>
             <a:r>
-              <a:rPr lang="en-US" sz="1050" dirty="0" smtClean="0">
+              <a:rPr lang="en-US" sz="1050" dirty="0">
                 <a:solidFill>
                   <a:schemeClr val="bg1"/>
                 </a:solidFill>
